--- a/스토리보드/4학년/1차/박만구/suh_p_0402_01_0009_v2.pptx
+++ b/스토리보드/4학년/1차/박만구/suh_p_0402_01_0009_v2.pptx
@@ -1747,14 +1747,14 @@
                 <a:gridCol w="6938661">
                   <a:extLst>
                     <a:ext uri="{9D8B030D-6E8A-4147-A177-3AD203B41FA5}">
-                      <a16:colId xmlns:a16="http://schemas.microsoft.com/office/drawing/2014/main" val="20000"/>
+                      <a16:colId xmlns:a16="http://schemas.microsoft.com/office/drawing/2014/main" xmlns="" val="20000"/>
                     </a:ext>
                   </a:extLst>
                 </a:gridCol>
                 <a:gridCol w="2124376">
                   <a:extLst>
                     <a:ext uri="{9D8B030D-6E8A-4147-A177-3AD203B41FA5}">
-                      <a16:colId xmlns:a16="http://schemas.microsoft.com/office/drawing/2014/main" val="20001"/>
+                      <a16:colId xmlns:a16="http://schemas.microsoft.com/office/drawing/2014/main" xmlns="" val="20001"/>
                     </a:ext>
                   </a:extLst>
                 </a:gridCol>
@@ -1937,7 +1937,7 @@
                 </a:tc>
                 <a:extLst>
                   <a:ext uri="{0D108BD9-81ED-4DB2-BD59-A6C34878D82A}">
-                    <a16:rowId xmlns:a16="http://schemas.microsoft.com/office/drawing/2014/main" val="10000"/>
+                    <a16:rowId xmlns:a16="http://schemas.microsoft.com/office/drawing/2014/main" xmlns="" val="10000"/>
                   </a:ext>
                 </a:extLst>
               </a:tr>
@@ -1971,56 +1971,56 @@
                 <a:gridCol w="780574">
                   <a:extLst>
                     <a:ext uri="{9D8B030D-6E8A-4147-A177-3AD203B41FA5}">
-                      <a16:colId xmlns:a16="http://schemas.microsoft.com/office/drawing/2014/main" val="20000"/>
+                      <a16:colId xmlns:a16="http://schemas.microsoft.com/office/drawing/2014/main" xmlns="" val="20000"/>
                     </a:ext>
                   </a:extLst>
                 </a:gridCol>
                 <a:gridCol w="889949">
                   <a:extLst>
                     <a:ext uri="{9D8B030D-6E8A-4147-A177-3AD203B41FA5}">
-                      <a16:colId xmlns:a16="http://schemas.microsoft.com/office/drawing/2014/main" val="20001"/>
+                      <a16:colId xmlns:a16="http://schemas.microsoft.com/office/drawing/2014/main" xmlns="" val="20001"/>
                     </a:ext>
                   </a:extLst>
                 </a:gridCol>
                 <a:gridCol w="540056">
                   <a:extLst>
                     <a:ext uri="{9D8B030D-6E8A-4147-A177-3AD203B41FA5}">
-                      <a16:colId xmlns:a16="http://schemas.microsoft.com/office/drawing/2014/main" val="20002"/>
+                      <a16:colId xmlns:a16="http://schemas.microsoft.com/office/drawing/2014/main" xmlns="" val="20002"/>
                     </a:ext>
                   </a:extLst>
                 </a:gridCol>
                 <a:gridCol w="2772323">
                   <a:extLst>
                     <a:ext uri="{9D8B030D-6E8A-4147-A177-3AD203B41FA5}">
-                      <a16:colId xmlns:a16="http://schemas.microsoft.com/office/drawing/2014/main" val="20003"/>
+                      <a16:colId xmlns:a16="http://schemas.microsoft.com/office/drawing/2014/main" xmlns="" val="20003"/>
                     </a:ext>
                   </a:extLst>
                 </a:gridCol>
                 <a:gridCol w="648072">
                   <a:extLst>
                     <a:ext uri="{9D8B030D-6E8A-4147-A177-3AD203B41FA5}">
-                      <a16:colId xmlns:a16="http://schemas.microsoft.com/office/drawing/2014/main" val="20004"/>
+                      <a16:colId xmlns:a16="http://schemas.microsoft.com/office/drawing/2014/main" xmlns="" val="20004"/>
                     </a:ext>
                   </a:extLst>
                 </a:gridCol>
                 <a:gridCol w="1330199">
                   <a:extLst>
                     <a:ext uri="{9D8B030D-6E8A-4147-A177-3AD203B41FA5}">
-                      <a16:colId xmlns:a16="http://schemas.microsoft.com/office/drawing/2014/main" val="20005"/>
+                      <a16:colId xmlns:a16="http://schemas.microsoft.com/office/drawing/2014/main" xmlns="" val="20005"/>
                     </a:ext>
                   </a:extLst>
                 </a:gridCol>
                 <a:gridCol w="730255">
                   <a:extLst>
                     <a:ext uri="{9D8B030D-6E8A-4147-A177-3AD203B41FA5}">
-                      <a16:colId xmlns:a16="http://schemas.microsoft.com/office/drawing/2014/main" val="20006"/>
+                      <a16:colId xmlns:a16="http://schemas.microsoft.com/office/drawing/2014/main" xmlns="" val="20006"/>
                     </a:ext>
                   </a:extLst>
                 </a:gridCol>
                 <a:gridCol w="1350972">
                   <a:extLst>
                     <a:ext uri="{9D8B030D-6E8A-4147-A177-3AD203B41FA5}">
-                      <a16:colId xmlns:a16="http://schemas.microsoft.com/office/drawing/2014/main" val="20007"/>
+                      <a16:colId xmlns:a16="http://schemas.microsoft.com/office/drawing/2014/main" xmlns="" val="20007"/>
                     </a:ext>
                   </a:extLst>
                 </a:gridCol>
@@ -2667,7 +2667,7 @@
                 </a:tc>
                 <a:extLst>
                   <a:ext uri="{0D108BD9-81ED-4DB2-BD59-A6C34878D82A}">
-                    <a16:rowId xmlns:a16="http://schemas.microsoft.com/office/drawing/2014/main" val="10000"/>
+                    <a16:rowId xmlns:a16="http://schemas.microsoft.com/office/drawing/2014/main" xmlns="" val="10000"/>
                   </a:ext>
                 </a:extLst>
               </a:tr>
@@ -3191,7 +3191,7 @@
                 </a:tc>
                 <a:extLst>
                   <a:ext uri="{0D108BD9-81ED-4DB2-BD59-A6C34878D82A}">
-                    <a16:rowId xmlns:a16="http://schemas.microsoft.com/office/drawing/2014/main" val="10001"/>
+                    <a16:rowId xmlns:a16="http://schemas.microsoft.com/office/drawing/2014/main" xmlns="" val="10001"/>
                   </a:ext>
                 </a:extLst>
               </a:tr>
@@ -3265,7 +3265,7 @@
                 <a:gridCol w="6923853">
                   <a:extLst>
                     <a:ext uri="{9D8B030D-6E8A-4147-A177-3AD203B41FA5}">
-                      <a16:colId xmlns:a16="http://schemas.microsoft.com/office/drawing/2014/main" val="20000"/>
+                      <a16:colId xmlns:a16="http://schemas.microsoft.com/office/drawing/2014/main" xmlns="" val="20000"/>
                     </a:ext>
                   </a:extLst>
                 </a:gridCol>
@@ -3325,7 +3325,7 @@
                 </a:tc>
                 <a:extLst>
                   <a:ext uri="{0D108BD9-81ED-4DB2-BD59-A6C34878D82A}">
-                    <a16:rowId xmlns:a16="http://schemas.microsoft.com/office/drawing/2014/main" val="10000"/>
+                    <a16:rowId xmlns:a16="http://schemas.microsoft.com/office/drawing/2014/main" xmlns="" val="10000"/>
                   </a:ext>
                 </a:extLst>
               </a:tr>
@@ -3353,7 +3353,7 @@
                 <a:gridCol w="576263">
                   <a:extLst>
                     <a:ext uri="{9D8B030D-6E8A-4147-A177-3AD203B41FA5}">
-                      <a16:colId xmlns:a16="http://schemas.microsoft.com/office/drawing/2014/main" val="20000"/>
+                      <a16:colId xmlns:a16="http://schemas.microsoft.com/office/drawing/2014/main" xmlns="" val="20000"/>
                     </a:ext>
                   </a:extLst>
                 </a:gridCol>
@@ -3460,7 +3460,7 @@
                 </a:tc>
                 <a:extLst>
                   <a:ext uri="{0D108BD9-81ED-4DB2-BD59-A6C34878D82A}">
-                    <a16:rowId xmlns:a16="http://schemas.microsoft.com/office/drawing/2014/main" val="10000"/>
+                    <a16:rowId xmlns:a16="http://schemas.microsoft.com/office/drawing/2014/main" xmlns="" val="10000"/>
                   </a:ext>
                 </a:extLst>
               </a:tr>
@@ -4068,42 +4068,42 @@
                 <a:gridCol w="423863">
                   <a:extLst>
                     <a:ext uri="{9D8B030D-6E8A-4147-A177-3AD203B41FA5}">
-                      <a16:colId xmlns:a16="http://schemas.microsoft.com/office/drawing/2014/main" val="20000"/>
+                      <a16:colId xmlns:a16="http://schemas.microsoft.com/office/drawing/2014/main" xmlns="" val="20000"/>
                     </a:ext>
                   </a:extLst>
                 </a:gridCol>
                 <a:gridCol w="560387">
                   <a:extLst>
                     <a:ext uri="{9D8B030D-6E8A-4147-A177-3AD203B41FA5}">
-                      <a16:colId xmlns:a16="http://schemas.microsoft.com/office/drawing/2014/main" val="20001"/>
+                      <a16:colId xmlns:a16="http://schemas.microsoft.com/office/drawing/2014/main" xmlns="" val="20001"/>
                     </a:ext>
                   </a:extLst>
                 </a:gridCol>
                 <a:gridCol w="984250">
                   <a:extLst>
                     <a:ext uri="{9D8B030D-6E8A-4147-A177-3AD203B41FA5}">
-                      <a16:colId xmlns:a16="http://schemas.microsoft.com/office/drawing/2014/main" val="20002"/>
+                      <a16:colId xmlns:a16="http://schemas.microsoft.com/office/drawing/2014/main" xmlns="" val="20002"/>
                     </a:ext>
                   </a:extLst>
                 </a:gridCol>
                 <a:gridCol w="4926013">
                   <a:extLst>
                     <a:ext uri="{9D8B030D-6E8A-4147-A177-3AD203B41FA5}">
-                      <a16:colId xmlns:a16="http://schemas.microsoft.com/office/drawing/2014/main" val="20003"/>
+                      <a16:colId xmlns:a16="http://schemas.microsoft.com/office/drawing/2014/main" xmlns="" val="20003"/>
                     </a:ext>
                   </a:extLst>
                 </a:gridCol>
                 <a:gridCol w="1243012">
                   <a:extLst>
                     <a:ext uri="{9D8B030D-6E8A-4147-A177-3AD203B41FA5}">
-                      <a16:colId xmlns:a16="http://schemas.microsoft.com/office/drawing/2014/main" val="20004"/>
+                      <a16:colId xmlns:a16="http://schemas.microsoft.com/office/drawing/2014/main" xmlns="" val="20004"/>
                     </a:ext>
                   </a:extLst>
                 </a:gridCol>
                 <a:gridCol w="792163">
                   <a:extLst>
                     <a:ext uri="{9D8B030D-6E8A-4147-A177-3AD203B41FA5}">
-                      <a16:colId xmlns:a16="http://schemas.microsoft.com/office/drawing/2014/main" val="20005"/>
+                      <a16:colId xmlns:a16="http://schemas.microsoft.com/office/drawing/2014/main" xmlns="" val="20005"/>
                     </a:ext>
                   </a:extLst>
                 </a:gridCol>
@@ -4691,7 +4691,7 @@
                 </a:tc>
                 <a:extLst>
                   <a:ext uri="{0D108BD9-81ED-4DB2-BD59-A6C34878D82A}">
-                    <a16:rowId xmlns:a16="http://schemas.microsoft.com/office/drawing/2014/main" val="10000"/>
+                    <a16:rowId xmlns:a16="http://schemas.microsoft.com/office/drawing/2014/main" xmlns="" val="10000"/>
                   </a:ext>
                 </a:extLst>
               </a:tr>
@@ -5204,7 +5204,7 @@
                 </a:tc>
                 <a:extLst>
                   <a:ext uri="{0D108BD9-81ED-4DB2-BD59-A6C34878D82A}">
-                    <a16:rowId xmlns:a16="http://schemas.microsoft.com/office/drawing/2014/main" val="10001"/>
+                    <a16:rowId xmlns:a16="http://schemas.microsoft.com/office/drawing/2014/main" xmlns="" val="10001"/>
                   </a:ext>
                 </a:extLst>
               </a:tr>
@@ -5742,7 +5742,7 @@
                 </a:tc>
                 <a:extLst>
                   <a:ext uri="{0D108BD9-81ED-4DB2-BD59-A6C34878D82A}">
-                    <a16:rowId xmlns:a16="http://schemas.microsoft.com/office/drawing/2014/main" val="10002"/>
+                    <a16:rowId xmlns:a16="http://schemas.microsoft.com/office/drawing/2014/main" xmlns="" val="10002"/>
                   </a:ext>
                 </a:extLst>
               </a:tr>
@@ -6269,7 +6269,7 @@
                 </a:tc>
                 <a:extLst>
                   <a:ext uri="{0D108BD9-81ED-4DB2-BD59-A6C34878D82A}">
-                    <a16:rowId xmlns:a16="http://schemas.microsoft.com/office/drawing/2014/main" val="10003"/>
+                    <a16:rowId xmlns:a16="http://schemas.microsoft.com/office/drawing/2014/main" xmlns="" val="10003"/>
                   </a:ext>
                 </a:extLst>
               </a:tr>
@@ -6386,33 +6386,8 @@
                           <a:latin typeface="맑은 고딕" pitchFamily="50" charset="-127"/>
                           <a:ea typeface="맑은 고딕" pitchFamily="50" charset="-127"/>
                         </a:rPr>
-                        <a:t>V </a:t>
+                        <a:t>V 2.0</a:t>
                       </a:r>
-                      <a:r>
-                        <a:rPr kumimoji="0" lang="en-US" altLang="ko-KR" sz="1000" b="0" i="0" u="none" strike="noStrike" cap="none" normalizeH="0" baseline="0" dirty="0" smtClean="0">
-                          <a:ln>
-                            <a:noFill/>
-                          </a:ln>
-                          <a:solidFill>
-                            <a:schemeClr val="tx1"/>
-                          </a:solidFill>
-                          <a:effectLst/>
-                          <a:latin typeface="맑은 고딕" pitchFamily="50" charset="-127"/>
-                          <a:ea typeface="맑은 고딕" pitchFamily="50" charset="-127"/>
-                        </a:rPr>
-                        <a:t>2.0</a:t>
-                      </a:r>
-                      <a:endParaRPr kumimoji="0" lang="en-US" altLang="ko-KR" sz="1000" b="0" i="0" u="none" strike="noStrike" cap="none" normalizeH="0" baseline="0" dirty="0" smtClean="0">
-                        <a:ln>
-                          <a:noFill/>
-                        </a:ln>
-                        <a:solidFill>
-                          <a:schemeClr val="tx1"/>
-                        </a:solidFill>
-                        <a:effectLst/>
-                        <a:latin typeface="맑은 고딕" pitchFamily="50" charset="-127"/>
-                        <a:ea typeface="맑은 고딕" pitchFamily="50" charset="-127"/>
-                      </a:endParaRPr>
                     </a:p>
                   </a:txBody>
                   <a:tcPr marL="54000" marR="54000" marT="36000" marB="36000" anchor="ctr" horzOverflow="overflow">
@@ -6498,17 +6473,6 @@
                         </a:rPr>
                         <a:t>2022.05.17</a:t>
                       </a:r>
-                      <a:endParaRPr kumimoji="0" lang="en-US" altLang="ko-KR" sz="1000" b="0" i="0" u="none" strike="noStrike" cap="none" normalizeH="0" baseline="0" dirty="0" smtClean="0">
-                        <a:ln>
-                          <a:noFill/>
-                        </a:ln>
-                        <a:solidFill>
-                          <a:schemeClr val="tx1"/>
-                        </a:solidFill>
-                        <a:effectLst/>
-                        <a:latin typeface="맑은 고딕" pitchFamily="50" charset="-127"/>
-                        <a:ea typeface="맑은 고딕" pitchFamily="50" charset="-127"/>
-                      </a:endParaRPr>
                     </a:p>
                   </a:txBody>
                   <a:tcPr marL="54000" marR="54000" marT="36000" marB="36000" anchor="ctr" horzOverflow="overflow">
@@ -6857,7 +6821,7 @@
                 </a:tc>
                 <a:extLst>
                   <a:ext uri="{0D108BD9-81ED-4DB2-BD59-A6C34878D82A}">
-                    <a16:rowId xmlns:a16="http://schemas.microsoft.com/office/drawing/2014/main" val="10004"/>
+                    <a16:rowId xmlns:a16="http://schemas.microsoft.com/office/drawing/2014/main" xmlns="" val="10004"/>
                   </a:ext>
                 </a:extLst>
               </a:tr>
@@ -7347,7 +7311,7 @@
                 </a:tc>
                 <a:extLst>
                   <a:ext uri="{0D108BD9-81ED-4DB2-BD59-A6C34878D82A}">
-                    <a16:rowId xmlns:a16="http://schemas.microsoft.com/office/drawing/2014/main" val="10005"/>
+                    <a16:rowId xmlns:a16="http://schemas.microsoft.com/office/drawing/2014/main" xmlns="" val="10005"/>
                   </a:ext>
                 </a:extLst>
               </a:tr>
@@ -7837,7 +7801,7 @@
                 </a:tc>
                 <a:extLst>
                   <a:ext uri="{0D108BD9-81ED-4DB2-BD59-A6C34878D82A}">
-                    <a16:rowId xmlns:a16="http://schemas.microsoft.com/office/drawing/2014/main" val="10006"/>
+                    <a16:rowId xmlns:a16="http://schemas.microsoft.com/office/drawing/2014/main" xmlns="" val="10006"/>
                   </a:ext>
                 </a:extLst>
               </a:tr>
@@ -8327,7 +8291,7 @@
                 </a:tc>
                 <a:extLst>
                   <a:ext uri="{0D108BD9-81ED-4DB2-BD59-A6C34878D82A}">
-                    <a16:rowId xmlns:a16="http://schemas.microsoft.com/office/drawing/2014/main" val="10007"/>
+                    <a16:rowId xmlns:a16="http://schemas.microsoft.com/office/drawing/2014/main" xmlns="" val="10007"/>
                   </a:ext>
                 </a:extLst>
               </a:tr>
@@ -8828,7 +8792,7 @@
                 </a:tc>
                 <a:extLst>
                   <a:ext uri="{0D108BD9-81ED-4DB2-BD59-A6C34878D82A}">
-                    <a16:rowId xmlns:a16="http://schemas.microsoft.com/office/drawing/2014/main" val="10008"/>
+                    <a16:rowId xmlns:a16="http://schemas.microsoft.com/office/drawing/2014/main" xmlns="" val="10008"/>
                   </a:ext>
                 </a:extLst>
               </a:tr>
@@ -9329,7 +9293,7 @@
                 </a:tc>
                 <a:extLst>
                   <a:ext uri="{0D108BD9-81ED-4DB2-BD59-A6C34878D82A}">
-                    <a16:rowId xmlns:a16="http://schemas.microsoft.com/office/drawing/2014/main" val="10009"/>
+                    <a16:rowId xmlns:a16="http://schemas.microsoft.com/office/drawing/2014/main" xmlns="" val="10009"/>
                   </a:ext>
                 </a:extLst>
               </a:tr>
@@ -9830,7 +9794,7 @@
                 </a:tc>
                 <a:extLst>
                   <a:ext uri="{0D108BD9-81ED-4DB2-BD59-A6C34878D82A}">
-                    <a16:rowId xmlns:a16="http://schemas.microsoft.com/office/drawing/2014/main" val="10010"/>
+                    <a16:rowId xmlns:a16="http://schemas.microsoft.com/office/drawing/2014/main" xmlns="" val="10010"/>
                   </a:ext>
                 </a:extLst>
               </a:tr>
@@ -10331,7 +10295,7 @@
                 </a:tc>
                 <a:extLst>
                   <a:ext uri="{0D108BD9-81ED-4DB2-BD59-A6C34878D82A}">
-                    <a16:rowId xmlns:a16="http://schemas.microsoft.com/office/drawing/2014/main" val="10011"/>
+                    <a16:rowId xmlns:a16="http://schemas.microsoft.com/office/drawing/2014/main" xmlns="" val="10011"/>
                   </a:ext>
                 </a:extLst>
               </a:tr>
@@ -10365,14 +10329,14 @@
                 <a:gridCol w="1319212">
                   <a:extLst>
                     <a:ext uri="{9D8B030D-6E8A-4147-A177-3AD203B41FA5}">
-                      <a16:colId xmlns:a16="http://schemas.microsoft.com/office/drawing/2014/main" val="20000"/>
+                      <a16:colId xmlns:a16="http://schemas.microsoft.com/office/drawing/2014/main" xmlns="" val="20000"/>
                     </a:ext>
                   </a:extLst>
                 </a:gridCol>
                 <a:gridCol w="1317625">
                   <a:extLst>
                     <a:ext uri="{9D8B030D-6E8A-4147-A177-3AD203B41FA5}">
-                      <a16:colId xmlns:a16="http://schemas.microsoft.com/office/drawing/2014/main" val="20001"/>
+                      <a16:colId xmlns:a16="http://schemas.microsoft.com/office/drawing/2014/main" xmlns="" val="20001"/>
                     </a:ext>
                   </a:extLst>
                 </a:gridCol>
@@ -10557,7 +10521,7 @@
                 </a:tc>
                 <a:extLst>
                   <a:ext uri="{0D108BD9-81ED-4DB2-BD59-A6C34878D82A}">
-                    <a16:rowId xmlns:a16="http://schemas.microsoft.com/office/drawing/2014/main" val="10000"/>
+                    <a16:rowId xmlns:a16="http://schemas.microsoft.com/office/drawing/2014/main" xmlns="" val="10000"/>
                   </a:ext>
                 </a:extLst>
               </a:tr>
@@ -10742,7 +10706,7 @@
                 </a:tc>
                 <a:extLst>
                   <a:ext uri="{0D108BD9-81ED-4DB2-BD59-A6C34878D82A}">
-                    <a16:rowId xmlns:a16="http://schemas.microsoft.com/office/drawing/2014/main" val="10001"/>
+                    <a16:rowId xmlns:a16="http://schemas.microsoft.com/office/drawing/2014/main" xmlns="" val="10001"/>
                   </a:ext>
                 </a:extLst>
               </a:tr>
@@ -10831,14 +10795,14 @@
                 <a:gridCol w="1764767">
                   <a:extLst>
                     <a:ext uri="{9D8B030D-6E8A-4147-A177-3AD203B41FA5}">
-                      <a16:colId xmlns:a16="http://schemas.microsoft.com/office/drawing/2014/main" val="20000"/>
+                      <a16:colId xmlns:a16="http://schemas.microsoft.com/office/drawing/2014/main" xmlns="" val="20000"/>
                     </a:ext>
                   </a:extLst>
                 </a:gridCol>
                 <a:gridCol w="4499508">
                   <a:extLst>
                     <a:ext uri="{9D8B030D-6E8A-4147-A177-3AD203B41FA5}">
-                      <a16:colId xmlns:a16="http://schemas.microsoft.com/office/drawing/2014/main" val="20001"/>
+                      <a16:colId xmlns:a16="http://schemas.microsoft.com/office/drawing/2014/main" xmlns="" val="20001"/>
                     </a:ext>
                   </a:extLst>
                 </a:gridCol>
@@ -11104,7 +11068,7 @@
                 </a:tc>
                 <a:extLst>
                   <a:ext uri="{0D108BD9-81ED-4DB2-BD59-A6C34878D82A}">
-                    <a16:rowId xmlns:a16="http://schemas.microsoft.com/office/drawing/2014/main" val="10000"/>
+                    <a16:rowId xmlns:a16="http://schemas.microsoft.com/office/drawing/2014/main" xmlns="" val="10000"/>
                   </a:ext>
                 </a:extLst>
               </a:tr>
@@ -11344,7 +11308,7 @@
                 </a:tc>
                 <a:extLst>
                   <a:ext uri="{0D108BD9-81ED-4DB2-BD59-A6C34878D82A}">
-                    <a16:rowId xmlns:a16="http://schemas.microsoft.com/office/drawing/2014/main" val="10001"/>
+                    <a16:rowId xmlns:a16="http://schemas.microsoft.com/office/drawing/2014/main" xmlns="" val="10001"/>
                   </a:ext>
                 </a:extLst>
               </a:tr>
@@ -11529,7 +11493,7 @@
                 </a:tc>
                 <a:extLst>
                   <a:ext uri="{0D108BD9-81ED-4DB2-BD59-A6C34878D82A}">
-                    <a16:rowId xmlns:a16="http://schemas.microsoft.com/office/drawing/2014/main" val="10002"/>
+                    <a16:rowId xmlns:a16="http://schemas.microsoft.com/office/drawing/2014/main" xmlns="" val="10002"/>
                   </a:ext>
                 </a:extLst>
               </a:tr>
@@ -11674,7 +11638,7 @@
                 <a:gridCol w="2016125">
                   <a:extLst>
                     <a:ext uri="{9D8B030D-6E8A-4147-A177-3AD203B41FA5}">
-                      <a16:colId xmlns:a16="http://schemas.microsoft.com/office/drawing/2014/main" val="20000"/>
+                      <a16:colId xmlns:a16="http://schemas.microsoft.com/office/drawing/2014/main" xmlns="" val="20000"/>
                     </a:ext>
                   </a:extLst>
                 </a:gridCol>
@@ -11778,7 +11742,7 @@
                 </a:tc>
                 <a:extLst>
                   <a:ext uri="{0D108BD9-81ED-4DB2-BD59-A6C34878D82A}">
-                    <a16:rowId xmlns:a16="http://schemas.microsoft.com/office/drawing/2014/main" val="10000"/>
+                    <a16:rowId xmlns:a16="http://schemas.microsoft.com/office/drawing/2014/main" xmlns="" val="10000"/>
                   </a:ext>
                 </a:extLst>
               </a:tr>
@@ -12502,7 +12466,7 @@
                 <a:gridCol w="2016125">
                   <a:extLst>
                     <a:ext uri="{9D8B030D-6E8A-4147-A177-3AD203B41FA5}">
-                      <a16:colId xmlns:a16="http://schemas.microsoft.com/office/drawing/2014/main" val="20000"/>
+                      <a16:colId xmlns:a16="http://schemas.microsoft.com/office/drawing/2014/main" xmlns="" val="20000"/>
                     </a:ext>
                   </a:extLst>
                 </a:gridCol>
@@ -12606,7 +12570,7 @@
                 </a:tc>
                 <a:extLst>
                   <a:ext uri="{0D108BD9-81ED-4DB2-BD59-A6C34878D82A}">
-                    <a16:rowId xmlns:a16="http://schemas.microsoft.com/office/drawing/2014/main" val="10000"/>
+                    <a16:rowId xmlns:a16="http://schemas.microsoft.com/office/drawing/2014/main" xmlns="" val="10000"/>
                   </a:ext>
                 </a:extLst>
               </a:tr>
@@ -14617,7 +14581,7 @@
                 <a:gridCol w="2016125">
                   <a:extLst>
                     <a:ext uri="{9D8B030D-6E8A-4147-A177-3AD203B41FA5}">
-                      <a16:colId xmlns:a16="http://schemas.microsoft.com/office/drawing/2014/main" val="20000"/>
+                      <a16:colId xmlns:a16="http://schemas.microsoft.com/office/drawing/2014/main" xmlns="" val="20000"/>
                     </a:ext>
                   </a:extLst>
                 </a:gridCol>
@@ -14721,7 +14685,7 @@
                 </a:tc>
                 <a:extLst>
                   <a:ext uri="{0D108BD9-81ED-4DB2-BD59-A6C34878D82A}">
-                    <a16:rowId xmlns:a16="http://schemas.microsoft.com/office/drawing/2014/main" val="10000"/>
+                    <a16:rowId xmlns:a16="http://schemas.microsoft.com/office/drawing/2014/main" xmlns="" val="10000"/>
                   </a:ext>
                 </a:extLst>
               </a:tr>
@@ -15613,7 +15577,7 @@
                 <a:gridCol w="2016125">
                   <a:extLst>
                     <a:ext uri="{9D8B030D-6E8A-4147-A177-3AD203B41FA5}">
-                      <a16:colId xmlns:a16="http://schemas.microsoft.com/office/drawing/2014/main" val="20000"/>
+                      <a16:colId xmlns:a16="http://schemas.microsoft.com/office/drawing/2014/main" xmlns="" val="20000"/>
                     </a:ext>
                   </a:extLst>
                 </a:gridCol>
@@ -15717,7 +15681,7 @@
                 </a:tc>
                 <a:extLst>
                   <a:ext uri="{0D108BD9-81ED-4DB2-BD59-A6C34878D82A}">
-                    <a16:rowId xmlns:a16="http://schemas.microsoft.com/office/drawing/2014/main" val="10000"/>
+                    <a16:rowId xmlns:a16="http://schemas.microsoft.com/office/drawing/2014/main" xmlns="" val="10000"/>
                   </a:ext>
                 </a:extLst>
               </a:tr>
@@ -16748,7 +16712,7 @@
           <p:cNvPr id="52" name="표 51">
             <a:extLst>
               <a:ext uri="{FF2B5EF4-FFF2-40B4-BE49-F238E27FC236}">
-                <a16:creationId xmlns:a16="http://schemas.microsoft.com/office/drawing/2014/main" id="{7495F621-B252-49CB-BB98-60446A69B406}"/>
+                <a16:creationId xmlns:a16="http://schemas.microsoft.com/office/drawing/2014/main" xmlns="" id="{7495F621-B252-49CB-BB98-60446A69B406}"/>
               </a:ext>
             </a:extLst>
           </p:cNvPr>
@@ -16778,7 +16742,7 @@
                 <a:gridCol w="288032">
                   <a:extLst>
                     <a:ext uri="{9D8B030D-6E8A-4147-A177-3AD203B41FA5}">
-                      <a16:colId xmlns:a16="http://schemas.microsoft.com/office/drawing/2014/main" val="20000"/>
+                      <a16:colId xmlns:a16="http://schemas.microsoft.com/office/drawing/2014/main" xmlns="" val="20000"/>
                     </a:ext>
                   </a:extLst>
                 </a:gridCol>
@@ -16863,7 +16827,7 @@
                 </a:tc>
                 <a:extLst>
                   <a:ext uri="{0D108BD9-81ED-4DB2-BD59-A6C34878D82A}">
-                    <a16:rowId xmlns:a16="http://schemas.microsoft.com/office/drawing/2014/main" val="10000"/>
+                    <a16:rowId xmlns:a16="http://schemas.microsoft.com/office/drawing/2014/main" xmlns="" val="10000"/>
                   </a:ext>
                 </a:extLst>
               </a:tr>
@@ -16947,7 +16911,7 @@
                 </a:tc>
                 <a:extLst>
                   <a:ext uri="{0D108BD9-81ED-4DB2-BD59-A6C34878D82A}">
-                    <a16:rowId xmlns:a16="http://schemas.microsoft.com/office/drawing/2014/main" val="10001"/>
+                    <a16:rowId xmlns:a16="http://schemas.microsoft.com/office/drawing/2014/main" xmlns="" val="10001"/>
                   </a:ext>
                 </a:extLst>
               </a:tr>
@@ -16960,7 +16924,7 @@
           <p:cNvPr id="53" name="표 52">
             <a:extLst>
               <a:ext uri="{FF2B5EF4-FFF2-40B4-BE49-F238E27FC236}">
-                <a16:creationId xmlns:a16="http://schemas.microsoft.com/office/drawing/2014/main" id="{7495F621-B252-49CB-BB98-60446A69B406}"/>
+                <a16:creationId xmlns:a16="http://schemas.microsoft.com/office/drawing/2014/main" xmlns="" id="{7495F621-B252-49CB-BB98-60446A69B406}"/>
               </a:ext>
             </a:extLst>
           </p:cNvPr>
@@ -16990,7 +16954,7 @@
                 <a:gridCol w="288032">
                   <a:extLst>
                     <a:ext uri="{9D8B030D-6E8A-4147-A177-3AD203B41FA5}">
-                      <a16:colId xmlns:a16="http://schemas.microsoft.com/office/drawing/2014/main" val="20000"/>
+                      <a16:colId xmlns:a16="http://schemas.microsoft.com/office/drawing/2014/main" xmlns="" val="20000"/>
                     </a:ext>
                   </a:extLst>
                 </a:gridCol>
@@ -17075,7 +17039,7 @@
                 </a:tc>
                 <a:extLst>
                   <a:ext uri="{0D108BD9-81ED-4DB2-BD59-A6C34878D82A}">
-                    <a16:rowId xmlns:a16="http://schemas.microsoft.com/office/drawing/2014/main" val="10000"/>
+                    <a16:rowId xmlns:a16="http://schemas.microsoft.com/office/drawing/2014/main" xmlns="" val="10000"/>
                   </a:ext>
                 </a:extLst>
               </a:tr>
@@ -17159,7 +17123,7 @@
                 </a:tc>
                 <a:extLst>
                   <a:ext uri="{0D108BD9-81ED-4DB2-BD59-A6C34878D82A}">
-                    <a16:rowId xmlns:a16="http://schemas.microsoft.com/office/drawing/2014/main" val="10001"/>
+                    <a16:rowId xmlns:a16="http://schemas.microsoft.com/office/drawing/2014/main" xmlns="" val="10001"/>
                   </a:ext>
                 </a:extLst>
               </a:tr>
@@ -17894,7 +17858,7 @@
                 <a:gridCol w="2016125">
                   <a:extLst>
                     <a:ext uri="{9D8B030D-6E8A-4147-A177-3AD203B41FA5}">
-                      <a16:colId xmlns:a16="http://schemas.microsoft.com/office/drawing/2014/main" val="20000"/>
+                      <a16:colId xmlns:a16="http://schemas.microsoft.com/office/drawing/2014/main" xmlns="" val="20000"/>
                     </a:ext>
                   </a:extLst>
                 </a:gridCol>
@@ -17998,7 +17962,7 @@
                 </a:tc>
                 <a:extLst>
                   <a:ext uri="{0D108BD9-81ED-4DB2-BD59-A6C34878D82A}">
-                    <a16:rowId xmlns:a16="http://schemas.microsoft.com/office/drawing/2014/main" val="10000"/>
+                    <a16:rowId xmlns:a16="http://schemas.microsoft.com/office/drawing/2014/main" xmlns="" val="10000"/>
                   </a:ext>
                 </a:extLst>
               </a:tr>
@@ -19916,14 +19880,7 @@
                 <a:latin typeface="맑은 고딕" pitchFamily="50" charset="-127"/>
                 <a:ea typeface="맑은 고딕" pitchFamily="50" charset="-127"/>
               </a:rPr>
-              <a:t>탭 </a:t>
-            </a:r>
-            <a:r>
-              <a:rPr lang="ko-KR" altLang="en-US" sz="1000" dirty="0" smtClean="0">
-                <a:latin typeface="맑은 고딕" pitchFamily="50" charset="-127"/>
-                <a:ea typeface="맑은 고딕" pitchFamily="50" charset="-127"/>
-              </a:rPr>
-              <a:t>이벤트</a:t>
+              <a:t>탭 이벤트</a:t>
             </a:r>
             <a:endParaRPr lang="en-US" altLang="ko-KR" sz="1000" dirty="0" smtClean="0">
               <a:latin typeface="맑은 고딕" pitchFamily="50" charset="-127"/>
@@ -19989,7 +19946,7 @@
                 <a:gridCol w="2016125">
                   <a:extLst>
                     <a:ext uri="{9D8B030D-6E8A-4147-A177-3AD203B41FA5}">
-                      <a16:colId xmlns:a16="http://schemas.microsoft.com/office/drawing/2014/main" val="20000"/>
+                      <a16:colId xmlns:a16="http://schemas.microsoft.com/office/drawing/2014/main" xmlns="" val="20000"/>
                     </a:ext>
                   </a:extLst>
                 </a:gridCol>
@@ -20093,7 +20050,7 @@
                 </a:tc>
                 <a:extLst>
                   <a:ext uri="{0D108BD9-81ED-4DB2-BD59-A6C34878D82A}">
-                    <a16:rowId xmlns:a16="http://schemas.microsoft.com/office/drawing/2014/main" val="10000"/>
+                    <a16:rowId xmlns:a16="http://schemas.microsoft.com/office/drawing/2014/main" xmlns="" val="10000"/>
                   </a:ext>
                 </a:extLst>
               </a:tr>
@@ -20223,7 +20180,7 @@
         </p:nvSpPr>
         <p:spPr>
           <a:xfrm>
-            <a:off x="340189" y="980728"/>
+            <a:off x="376193" y="980728"/>
             <a:ext cx="6716087" cy="384721"/>
           </a:xfrm>
           <a:prstGeom prst="rect">
@@ -21091,14 +21048,14 @@
                 <a:gridCol w="858104">
                   <a:extLst>
                     <a:ext uri="{9D8B030D-6E8A-4147-A177-3AD203B41FA5}">
-                      <a16:colId xmlns:a16="http://schemas.microsoft.com/office/drawing/2014/main" val="20000"/>
+                      <a16:colId xmlns:a16="http://schemas.microsoft.com/office/drawing/2014/main" xmlns="" val="20000"/>
                     </a:ext>
                   </a:extLst>
                 </a:gridCol>
                 <a:gridCol w="5830760">
                   <a:extLst>
                     <a:ext uri="{9D8B030D-6E8A-4147-A177-3AD203B41FA5}">
-                      <a16:colId xmlns:a16="http://schemas.microsoft.com/office/drawing/2014/main" val="20001"/>
+                      <a16:colId xmlns:a16="http://schemas.microsoft.com/office/drawing/2014/main" xmlns="" val="20001"/>
                     </a:ext>
                   </a:extLst>
                 </a:gridCol>
@@ -21298,7 +21255,7 @@
                 </a:tc>
                 <a:extLst>
                   <a:ext uri="{0D108BD9-81ED-4DB2-BD59-A6C34878D82A}">
-                    <a16:rowId xmlns:a16="http://schemas.microsoft.com/office/drawing/2014/main" val="10000"/>
+                    <a16:rowId xmlns:a16="http://schemas.microsoft.com/office/drawing/2014/main" xmlns="" val="10000"/>
                   </a:ext>
                 </a:extLst>
               </a:tr>
@@ -21772,7 +21729,7 @@
                 <a:gridCol w="2016125">
                   <a:extLst>
                     <a:ext uri="{9D8B030D-6E8A-4147-A177-3AD203B41FA5}">
-                      <a16:colId xmlns:a16="http://schemas.microsoft.com/office/drawing/2014/main" val="20000"/>
+                      <a16:colId xmlns:a16="http://schemas.microsoft.com/office/drawing/2014/main" xmlns="" val="20000"/>
                     </a:ext>
                   </a:extLst>
                 </a:gridCol>
@@ -21876,7 +21833,7 @@
                 </a:tc>
                 <a:extLst>
                   <a:ext uri="{0D108BD9-81ED-4DB2-BD59-A6C34878D82A}">
-                    <a16:rowId xmlns:a16="http://schemas.microsoft.com/office/drawing/2014/main" val="10000"/>
+                    <a16:rowId xmlns:a16="http://schemas.microsoft.com/office/drawing/2014/main" xmlns="" val="10000"/>
                   </a:ext>
                 </a:extLst>
               </a:tr>
@@ -23028,14 +22985,14 @@
                 <a:gridCol w="858104">
                   <a:extLst>
                     <a:ext uri="{9D8B030D-6E8A-4147-A177-3AD203B41FA5}">
-                      <a16:colId xmlns:a16="http://schemas.microsoft.com/office/drawing/2014/main" val="20000"/>
+                      <a16:colId xmlns:a16="http://schemas.microsoft.com/office/drawing/2014/main" xmlns="" val="20000"/>
                     </a:ext>
                   </a:extLst>
                 </a:gridCol>
                 <a:gridCol w="5830760">
                   <a:extLst>
                     <a:ext uri="{9D8B030D-6E8A-4147-A177-3AD203B41FA5}">
-                      <a16:colId xmlns:a16="http://schemas.microsoft.com/office/drawing/2014/main" val="20001"/>
+                      <a16:colId xmlns:a16="http://schemas.microsoft.com/office/drawing/2014/main" xmlns="" val="20001"/>
                     </a:ext>
                   </a:extLst>
                 </a:gridCol>
@@ -23267,7 +23224,7 @@
                 </a:tc>
                 <a:extLst>
                   <a:ext uri="{0D108BD9-81ED-4DB2-BD59-A6C34878D82A}">
-                    <a16:rowId xmlns:a16="http://schemas.microsoft.com/office/drawing/2014/main" val="10000"/>
+                    <a16:rowId xmlns:a16="http://schemas.microsoft.com/office/drawing/2014/main" xmlns="" val="10000"/>
                   </a:ext>
                 </a:extLst>
               </a:tr>
@@ -23954,7 +23911,7 @@
                 <a:gridCol w="2016125">
                   <a:extLst>
                     <a:ext uri="{9D8B030D-6E8A-4147-A177-3AD203B41FA5}">
-                      <a16:colId xmlns:a16="http://schemas.microsoft.com/office/drawing/2014/main" val="20000"/>
+                      <a16:colId xmlns:a16="http://schemas.microsoft.com/office/drawing/2014/main" xmlns="" val="20000"/>
                     </a:ext>
                   </a:extLst>
                 </a:gridCol>
@@ -24058,7 +24015,7 @@
                 </a:tc>
                 <a:extLst>
                   <a:ext uri="{0D108BD9-81ED-4DB2-BD59-A6C34878D82A}">
-                    <a16:rowId xmlns:a16="http://schemas.microsoft.com/office/drawing/2014/main" val="10000"/>
+                    <a16:rowId xmlns:a16="http://schemas.microsoft.com/office/drawing/2014/main" xmlns="" val="10000"/>
                   </a:ext>
                 </a:extLst>
               </a:tr>
@@ -25210,14 +25167,14 @@
                 <a:gridCol w="858104">
                   <a:extLst>
                     <a:ext uri="{9D8B030D-6E8A-4147-A177-3AD203B41FA5}">
-                      <a16:colId xmlns:a16="http://schemas.microsoft.com/office/drawing/2014/main" val="20000"/>
+                      <a16:colId xmlns:a16="http://schemas.microsoft.com/office/drawing/2014/main" xmlns="" val="20000"/>
                     </a:ext>
                   </a:extLst>
                 </a:gridCol>
                 <a:gridCol w="5830760">
                   <a:extLst>
                     <a:ext uri="{9D8B030D-6E8A-4147-A177-3AD203B41FA5}">
-                      <a16:colId xmlns:a16="http://schemas.microsoft.com/office/drawing/2014/main" val="20001"/>
+                      <a16:colId xmlns:a16="http://schemas.microsoft.com/office/drawing/2014/main" xmlns="" val="20001"/>
                     </a:ext>
                   </a:extLst>
                 </a:gridCol>
@@ -25449,7 +25406,7 @@
                 </a:tc>
                 <a:extLst>
                   <a:ext uri="{0D108BD9-81ED-4DB2-BD59-A6C34878D82A}">
-                    <a16:rowId xmlns:a16="http://schemas.microsoft.com/office/drawing/2014/main" val="10000"/>
+                    <a16:rowId xmlns:a16="http://schemas.microsoft.com/office/drawing/2014/main" xmlns="" val="10000"/>
                   </a:ext>
                 </a:extLst>
               </a:tr>
@@ -25861,7 +25818,7 @@
                 <a:gridCol w="2016125">
                   <a:extLst>
                     <a:ext uri="{9D8B030D-6E8A-4147-A177-3AD203B41FA5}">
-                      <a16:colId xmlns:a16="http://schemas.microsoft.com/office/drawing/2014/main" val="20000"/>
+                      <a16:colId xmlns:a16="http://schemas.microsoft.com/office/drawing/2014/main" xmlns="" val="20000"/>
                     </a:ext>
                   </a:extLst>
                 </a:gridCol>
@@ -25965,7 +25922,7 @@
                 </a:tc>
                 <a:extLst>
                   <a:ext uri="{0D108BD9-81ED-4DB2-BD59-A6C34878D82A}">
-                    <a16:rowId xmlns:a16="http://schemas.microsoft.com/office/drawing/2014/main" val="10000"/>
+                    <a16:rowId xmlns:a16="http://schemas.microsoft.com/office/drawing/2014/main" xmlns="" val="10000"/>
                   </a:ext>
                 </a:extLst>
               </a:tr>
@@ -26633,49 +26590,49 @@
                 <a:gridCol w="540184">
                   <a:extLst>
                     <a:ext uri="{9D8B030D-6E8A-4147-A177-3AD203B41FA5}">
-                      <a16:colId xmlns:a16="http://schemas.microsoft.com/office/drawing/2014/main" val="20000"/>
+                      <a16:colId xmlns:a16="http://schemas.microsoft.com/office/drawing/2014/main" xmlns="" val="20000"/>
                     </a:ext>
                   </a:extLst>
                 </a:gridCol>
                 <a:gridCol w="566258">
                   <a:extLst>
                     <a:ext uri="{9D8B030D-6E8A-4147-A177-3AD203B41FA5}">
-                      <a16:colId xmlns:a16="http://schemas.microsoft.com/office/drawing/2014/main" val="20001"/>
+                      <a16:colId xmlns:a16="http://schemas.microsoft.com/office/drawing/2014/main" xmlns="" val="20001"/>
                     </a:ext>
                   </a:extLst>
                 </a:gridCol>
                 <a:gridCol w="2938990">
                   <a:extLst>
                     <a:ext uri="{9D8B030D-6E8A-4147-A177-3AD203B41FA5}">
-                      <a16:colId xmlns:a16="http://schemas.microsoft.com/office/drawing/2014/main" val="20002"/>
+                      <a16:colId xmlns:a16="http://schemas.microsoft.com/office/drawing/2014/main" xmlns="" val="20002"/>
                     </a:ext>
                   </a:extLst>
                 </a:gridCol>
                 <a:gridCol w="675797">
                   <a:extLst>
                     <a:ext uri="{9D8B030D-6E8A-4147-A177-3AD203B41FA5}">
-                      <a16:colId xmlns:a16="http://schemas.microsoft.com/office/drawing/2014/main" val="20003"/>
+                      <a16:colId xmlns:a16="http://schemas.microsoft.com/office/drawing/2014/main" xmlns="" val="20003"/>
                     </a:ext>
                   </a:extLst>
                 </a:gridCol>
                 <a:gridCol w="1277955">
                   <a:extLst>
                     <a:ext uri="{9D8B030D-6E8A-4147-A177-3AD203B41FA5}">
-                      <a16:colId xmlns:a16="http://schemas.microsoft.com/office/drawing/2014/main" val="20004"/>
+                      <a16:colId xmlns:a16="http://schemas.microsoft.com/office/drawing/2014/main" xmlns="" val="20004"/>
                     </a:ext>
                   </a:extLst>
                 </a:gridCol>
                 <a:gridCol w="1789137">
                   <a:extLst>
                     <a:ext uri="{9D8B030D-6E8A-4147-A177-3AD203B41FA5}">
-                      <a16:colId xmlns:a16="http://schemas.microsoft.com/office/drawing/2014/main" val="20005"/>
+                      <a16:colId xmlns:a16="http://schemas.microsoft.com/office/drawing/2014/main" xmlns="" val="20005"/>
                     </a:ext>
                   </a:extLst>
                 </a:gridCol>
                 <a:gridCol w="985851">
                   <a:extLst>
                     <a:ext uri="{9D8B030D-6E8A-4147-A177-3AD203B41FA5}">
-                      <a16:colId xmlns:a16="http://schemas.microsoft.com/office/drawing/2014/main" val="20006"/>
+                      <a16:colId xmlns:a16="http://schemas.microsoft.com/office/drawing/2014/main" xmlns="" val="20006"/>
                     </a:ext>
                   </a:extLst>
                 </a:gridCol>
@@ -27247,7 +27204,7 @@
                 </a:tc>
                 <a:extLst>
                   <a:ext uri="{0D108BD9-81ED-4DB2-BD59-A6C34878D82A}">
-                    <a16:rowId xmlns:a16="http://schemas.microsoft.com/office/drawing/2014/main" val="10000"/>
+                    <a16:rowId xmlns:a16="http://schemas.microsoft.com/office/drawing/2014/main" xmlns="" val="10000"/>
                   </a:ext>
                 </a:extLst>
               </a:tr>
@@ -27969,7 +27926,7 @@
                 </a:tc>
                 <a:extLst>
                   <a:ext uri="{0D108BD9-81ED-4DB2-BD59-A6C34878D82A}">
-                    <a16:rowId xmlns:a16="http://schemas.microsoft.com/office/drawing/2014/main" val="10001"/>
+                    <a16:rowId xmlns:a16="http://schemas.microsoft.com/office/drawing/2014/main" xmlns="" val="10001"/>
                   </a:ext>
                 </a:extLst>
               </a:tr>
@@ -28589,7 +28546,7 @@
                 </a:tc>
                 <a:extLst>
                   <a:ext uri="{0D108BD9-81ED-4DB2-BD59-A6C34878D82A}">
-                    <a16:rowId xmlns:a16="http://schemas.microsoft.com/office/drawing/2014/main" val="10002"/>
+                    <a16:rowId xmlns:a16="http://schemas.microsoft.com/office/drawing/2014/main" xmlns="" val="10002"/>
                   </a:ext>
                 </a:extLst>
               </a:tr>
@@ -29326,7 +29283,7 @@
                 </a:tc>
                 <a:extLst>
                   <a:ext uri="{0D108BD9-81ED-4DB2-BD59-A6C34878D82A}">
-                    <a16:rowId xmlns:a16="http://schemas.microsoft.com/office/drawing/2014/main" val="10003"/>
+                    <a16:rowId xmlns:a16="http://schemas.microsoft.com/office/drawing/2014/main" xmlns="" val="10003"/>
                   </a:ext>
                 </a:extLst>
               </a:tr>
@@ -30063,7 +30020,7 @@
                 </a:tc>
                 <a:extLst>
                   <a:ext uri="{0D108BD9-81ED-4DB2-BD59-A6C34878D82A}">
-                    <a16:rowId xmlns:a16="http://schemas.microsoft.com/office/drawing/2014/main" val="10004"/>
+                    <a16:rowId xmlns:a16="http://schemas.microsoft.com/office/drawing/2014/main" xmlns="" val="10004"/>
                   </a:ext>
                 </a:extLst>
               </a:tr>
@@ -30688,7 +30645,7 @@
                 </a:tc>
                 <a:extLst>
                   <a:ext uri="{0D108BD9-81ED-4DB2-BD59-A6C34878D82A}">
-                    <a16:rowId xmlns:a16="http://schemas.microsoft.com/office/drawing/2014/main" val="10005"/>
+                    <a16:rowId xmlns:a16="http://schemas.microsoft.com/office/drawing/2014/main" xmlns="" val="10005"/>
                   </a:ext>
                 </a:extLst>
               </a:tr>
@@ -31167,7 +31124,7 @@
                 </a:tc>
                 <a:extLst>
                   <a:ext uri="{0D108BD9-81ED-4DB2-BD59-A6C34878D82A}">
-                    <a16:rowId xmlns:a16="http://schemas.microsoft.com/office/drawing/2014/main" val="10006"/>
+                    <a16:rowId xmlns:a16="http://schemas.microsoft.com/office/drawing/2014/main" xmlns="" val="10006"/>
                   </a:ext>
                 </a:extLst>
               </a:tr>
@@ -31227,7 +31184,7 @@
                 <a:gridCol w="2016125">
                   <a:extLst>
                     <a:ext uri="{9D8B030D-6E8A-4147-A177-3AD203B41FA5}">
-                      <a16:colId xmlns:a16="http://schemas.microsoft.com/office/drawing/2014/main" val="20000"/>
+                      <a16:colId xmlns:a16="http://schemas.microsoft.com/office/drawing/2014/main" xmlns="" val="20000"/>
                     </a:ext>
                   </a:extLst>
                 </a:gridCol>
@@ -31331,7 +31288,7 @@
                 </a:tc>
                 <a:extLst>
                   <a:ext uri="{0D108BD9-81ED-4DB2-BD59-A6C34878D82A}">
-                    <a16:rowId xmlns:a16="http://schemas.microsoft.com/office/drawing/2014/main" val="10000"/>
+                    <a16:rowId xmlns:a16="http://schemas.microsoft.com/office/drawing/2014/main" xmlns="" val="10000"/>
                   </a:ext>
                 </a:extLst>
               </a:tr>
@@ -31483,14 +31440,14 @@
                 <a:gridCol w="858104">
                   <a:extLst>
                     <a:ext uri="{9D8B030D-6E8A-4147-A177-3AD203B41FA5}">
-                      <a16:colId xmlns:a16="http://schemas.microsoft.com/office/drawing/2014/main" val="20000"/>
+                      <a16:colId xmlns:a16="http://schemas.microsoft.com/office/drawing/2014/main" xmlns="" val="20000"/>
                     </a:ext>
                   </a:extLst>
                 </a:gridCol>
                 <a:gridCol w="2722200">
                   <a:extLst>
                     <a:ext uri="{9D8B030D-6E8A-4147-A177-3AD203B41FA5}">
-                      <a16:colId xmlns:a16="http://schemas.microsoft.com/office/drawing/2014/main" val="20001"/>
+                      <a16:colId xmlns:a16="http://schemas.microsoft.com/office/drawing/2014/main" xmlns="" val="20001"/>
                     </a:ext>
                   </a:extLst>
                 </a:gridCol>
@@ -31658,7 +31615,7 @@
                 </a:tc>
                 <a:extLst>
                   <a:ext uri="{0D108BD9-81ED-4DB2-BD59-A6C34878D82A}">
-                    <a16:rowId xmlns:a16="http://schemas.microsoft.com/office/drawing/2014/main" val="10000"/>
+                    <a16:rowId xmlns:a16="http://schemas.microsoft.com/office/drawing/2014/main" xmlns="" val="10000"/>
                   </a:ext>
                 </a:extLst>
               </a:tr>
@@ -32320,7 +32277,7 @@
                 <a:gridCol w="2016125">
                   <a:extLst>
                     <a:ext uri="{9D8B030D-6E8A-4147-A177-3AD203B41FA5}">
-                      <a16:colId xmlns:a16="http://schemas.microsoft.com/office/drawing/2014/main" val="20000"/>
+                      <a16:colId xmlns:a16="http://schemas.microsoft.com/office/drawing/2014/main" xmlns="" val="20000"/>
                     </a:ext>
                   </a:extLst>
                 </a:gridCol>
@@ -32424,7 +32381,7 @@
                 </a:tc>
                 <a:extLst>
                   <a:ext uri="{0D108BD9-81ED-4DB2-BD59-A6C34878D82A}">
-                    <a16:rowId xmlns:a16="http://schemas.microsoft.com/office/drawing/2014/main" val="10000"/>
+                    <a16:rowId xmlns:a16="http://schemas.microsoft.com/office/drawing/2014/main" xmlns="" val="10000"/>
                   </a:ext>
                 </a:extLst>
               </a:tr>
@@ -33462,7 +33419,7 @@
                 <a:gridCol w="2016125">
                   <a:extLst>
                     <a:ext uri="{9D8B030D-6E8A-4147-A177-3AD203B41FA5}">
-                      <a16:colId xmlns:a16="http://schemas.microsoft.com/office/drawing/2014/main" val="20000"/>
+                      <a16:colId xmlns:a16="http://schemas.microsoft.com/office/drawing/2014/main" xmlns="" val="20000"/>
                     </a:ext>
                   </a:extLst>
                 </a:gridCol>
@@ -33566,7 +33523,7 @@
                 </a:tc>
                 <a:extLst>
                   <a:ext uri="{0D108BD9-81ED-4DB2-BD59-A6C34878D82A}">
-                    <a16:rowId xmlns:a16="http://schemas.microsoft.com/office/drawing/2014/main" val="10000"/>
+                    <a16:rowId xmlns:a16="http://schemas.microsoft.com/office/drawing/2014/main" xmlns="" val="10000"/>
                   </a:ext>
                 </a:extLst>
               </a:tr>
@@ -34980,14 +34937,14 @@
                 <a:gridCol w="858104">
                   <a:extLst>
                     <a:ext uri="{9D8B030D-6E8A-4147-A177-3AD203B41FA5}">
-                      <a16:colId xmlns:a16="http://schemas.microsoft.com/office/drawing/2014/main" val="20000"/>
+                      <a16:colId xmlns:a16="http://schemas.microsoft.com/office/drawing/2014/main" xmlns="" val="20000"/>
                     </a:ext>
                   </a:extLst>
                 </a:gridCol>
                 <a:gridCol w="5830760">
                   <a:extLst>
                     <a:ext uri="{9D8B030D-6E8A-4147-A177-3AD203B41FA5}">
-                      <a16:colId xmlns:a16="http://schemas.microsoft.com/office/drawing/2014/main" val="20001"/>
+                      <a16:colId xmlns:a16="http://schemas.microsoft.com/office/drawing/2014/main" xmlns="" val="20001"/>
                     </a:ext>
                   </a:extLst>
                 </a:gridCol>
@@ -35187,7 +35144,7 @@
                 </a:tc>
                 <a:extLst>
                   <a:ext uri="{0D108BD9-81ED-4DB2-BD59-A6C34878D82A}">
-                    <a16:rowId xmlns:a16="http://schemas.microsoft.com/office/drawing/2014/main" val="10000"/>
+                    <a16:rowId xmlns:a16="http://schemas.microsoft.com/office/drawing/2014/main" xmlns="" val="10000"/>
                   </a:ext>
                 </a:extLst>
               </a:tr>
@@ -35965,7 +35922,7 @@
                 <a:gridCol w="2016125">
                   <a:extLst>
                     <a:ext uri="{9D8B030D-6E8A-4147-A177-3AD203B41FA5}">
-                      <a16:colId xmlns:a16="http://schemas.microsoft.com/office/drawing/2014/main" val="20000"/>
+                      <a16:colId xmlns:a16="http://schemas.microsoft.com/office/drawing/2014/main" xmlns="" val="20000"/>
                     </a:ext>
                   </a:extLst>
                 </a:gridCol>
@@ -36069,7 +36026,7 @@
                 </a:tc>
                 <a:extLst>
                   <a:ext uri="{0D108BD9-81ED-4DB2-BD59-A6C34878D82A}">
-                    <a16:rowId xmlns:a16="http://schemas.microsoft.com/office/drawing/2014/main" val="10000"/>
+                    <a16:rowId xmlns:a16="http://schemas.microsoft.com/office/drawing/2014/main" xmlns="" val="10000"/>
                   </a:ext>
                 </a:extLst>
               </a:tr>
@@ -36750,7 +36707,7 @@
                 <a:gridCol w="2016125">
                   <a:extLst>
                     <a:ext uri="{9D8B030D-6E8A-4147-A177-3AD203B41FA5}">
-                      <a16:colId xmlns:a16="http://schemas.microsoft.com/office/drawing/2014/main" val="20000"/>
+                      <a16:colId xmlns:a16="http://schemas.microsoft.com/office/drawing/2014/main" xmlns="" val="20000"/>
                     </a:ext>
                   </a:extLst>
                 </a:gridCol>
@@ -36854,7 +36811,7 @@
                 </a:tc>
                 <a:extLst>
                   <a:ext uri="{0D108BD9-81ED-4DB2-BD59-A6C34878D82A}">
-                    <a16:rowId xmlns:a16="http://schemas.microsoft.com/office/drawing/2014/main" val="10000"/>
+                    <a16:rowId xmlns:a16="http://schemas.microsoft.com/office/drawing/2014/main" xmlns="" val="10000"/>
                   </a:ext>
                 </a:extLst>
               </a:tr>
@@ -38029,7 +37986,7 @@
           <p:cNvPr id="60" name="직사각형 59">
             <a:extLst>
               <a:ext uri="{FF2B5EF4-FFF2-40B4-BE49-F238E27FC236}">
-                <a16:creationId xmlns:a16="http://schemas.microsoft.com/office/drawing/2014/main" id="{A3FD23CB-6379-403F-BC3A-9D57C9BCA2FC}"/>
+                <a16:creationId xmlns:a16="http://schemas.microsoft.com/office/drawing/2014/main" xmlns="" id="{A3FD23CB-6379-403F-BC3A-9D57C9BCA2FC}"/>
               </a:ext>
             </a:extLst>
           </p:cNvPr>
@@ -39127,14 +39084,14 @@
                 <a:gridCol w="858104">
                   <a:extLst>
                     <a:ext uri="{9D8B030D-6E8A-4147-A177-3AD203B41FA5}">
-                      <a16:colId xmlns:a16="http://schemas.microsoft.com/office/drawing/2014/main" val="20000"/>
+                      <a16:colId xmlns:a16="http://schemas.microsoft.com/office/drawing/2014/main" xmlns="" val="20000"/>
                     </a:ext>
                   </a:extLst>
                 </a:gridCol>
                 <a:gridCol w="5830760">
                   <a:extLst>
                     <a:ext uri="{9D8B030D-6E8A-4147-A177-3AD203B41FA5}">
-                      <a16:colId xmlns:a16="http://schemas.microsoft.com/office/drawing/2014/main" val="20001"/>
+                      <a16:colId xmlns:a16="http://schemas.microsoft.com/office/drawing/2014/main" xmlns="" val="20001"/>
                     </a:ext>
                   </a:extLst>
                 </a:gridCol>
@@ -39334,7 +39291,7 @@
                 </a:tc>
                 <a:extLst>
                   <a:ext uri="{0D108BD9-81ED-4DB2-BD59-A6C34878D82A}">
-                    <a16:rowId xmlns:a16="http://schemas.microsoft.com/office/drawing/2014/main" val="10000"/>
+                    <a16:rowId xmlns:a16="http://schemas.microsoft.com/office/drawing/2014/main" xmlns="" val="10000"/>
                   </a:ext>
                 </a:extLst>
               </a:tr>
@@ -39684,7 +39641,7 @@
                 <a:gridCol w="2016125">
                   <a:extLst>
                     <a:ext uri="{9D8B030D-6E8A-4147-A177-3AD203B41FA5}">
-                      <a16:colId xmlns:a16="http://schemas.microsoft.com/office/drawing/2014/main" val="20000"/>
+                      <a16:colId xmlns:a16="http://schemas.microsoft.com/office/drawing/2014/main" xmlns="" val="20000"/>
                     </a:ext>
                   </a:extLst>
                 </a:gridCol>
@@ -39788,7 +39745,7 @@
                 </a:tc>
                 <a:extLst>
                   <a:ext uri="{0D108BD9-81ED-4DB2-BD59-A6C34878D82A}">
-                    <a16:rowId xmlns:a16="http://schemas.microsoft.com/office/drawing/2014/main" val="10000"/>
+                    <a16:rowId xmlns:a16="http://schemas.microsoft.com/office/drawing/2014/main" xmlns="" val="10000"/>
                   </a:ext>
                 </a:extLst>
               </a:tr>
@@ -40536,7 +40493,7 @@
                 <a:gridCol w="2016125">
                   <a:extLst>
                     <a:ext uri="{9D8B030D-6E8A-4147-A177-3AD203B41FA5}">
-                      <a16:colId xmlns:a16="http://schemas.microsoft.com/office/drawing/2014/main" val="20000"/>
+                      <a16:colId xmlns:a16="http://schemas.microsoft.com/office/drawing/2014/main" xmlns="" val="20000"/>
                     </a:ext>
                   </a:extLst>
                 </a:gridCol>
@@ -40640,7 +40597,7 @@
                 </a:tc>
                 <a:extLst>
                   <a:ext uri="{0D108BD9-81ED-4DB2-BD59-A6C34878D82A}">
-                    <a16:rowId xmlns:a16="http://schemas.microsoft.com/office/drawing/2014/main" val="10000"/>
+                    <a16:rowId xmlns:a16="http://schemas.microsoft.com/office/drawing/2014/main" xmlns="" val="10000"/>
                   </a:ext>
                 </a:extLst>
               </a:tr>
@@ -42555,14 +42512,14 @@
                 <a:gridCol w="858104">
                   <a:extLst>
                     <a:ext uri="{9D8B030D-6E8A-4147-A177-3AD203B41FA5}">
-                      <a16:colId xmlns:a16="http://schemas.microsoft.com/office/drawing/2014/main" val="20000"/>
+                      <a16:colId xmlns:a16="http://schemas.microsoft.com/office/drawing/2014/main" xmlns="" val="20000"/>
                     </a:ext>
                   </a:extLst>
                 </a:gridCol>
                 <a:gridCol w="5830760">
                   <a:extLst>
                     <a:ext uri="{9D8B030D-6E8A-4147-A177-3AD203B41FA5}">
-                      <a16:colId xmlns:a16="http://schemas.microsoft.com/office/drawing/2014/main" val="20001"/>
+                      <a16:colId xmlns:a16="http://schemas.microsoft.com/office/drawing/2014/main" xmlns="" val="20001"/>
                     </a:ext>
                   </a:extLst>
                 </a:gridCol>
@@ -42762,7 +42719,7 @@
                 </a:tc>
                 <a:extLst>
                   <a:ext uri="{0D108BD9-81ED-4DB2-BD59-A6C34878D82A}">
-                    <a16:rowId xmlns:a16="http://schemas.microsoft.com/office/drawing/2014/main" val="10000"/>
+                    <a16:rowId xmlns:a16="http://schemas.microsoft.com/office/drawing/2014/main" xmlns="" val="10000"/>
                   </a:ext>
                 </a:extLst>
               </a:tr>
